--- a/photos and graphics/clock_minima_sticker.pptx
+++ b/photos and graphics/clock_minima_sticker.pptx
@@ -432,7 +432,7 @@
           <a:p>
             <a:fld id="{E55EC660-A196-4D94-B3CC-EB7914C48869}" type="datetimeFigureOut">
               <a:rPr lang="en-US" smtClean="0"/>
-              <a:t>4/25/2020</a:t>
+              <a:t>5/10/2020</a:t>
             </a:fld>
             <a:endParaRPr lang="en-US"/>
           </a:p>
@@ -602,7 +602,7 @@
           <a:p>
             <a:fld id="{E55EC660-A196-4D94-B3CC-EB7914C48869}" type="datetimeFigureOut">
               <a:rPr lang="en-US" smtClean="0"/>
-              <a:t>4/25/2020</a:t>
+              <a:t>5/10/2020</a:t>
             </a:fld>
             <a:endParaRPr lang="en-US"/>
           </a:p>
@@ -782,7 +782,7 @@
           <a:p>
             <a:fld id="{E55EC660-A196-4D94-B3CC-EB7914C48869}" type="datetimeFigureOut">
               <a:rPr lang="en-US" smtClean="0"/>
-              <a:t>4/25/2020</a:t>
+              <a:t>5/10/2020</a:t>
             </a:fld>
             <a:endParaRPr lang="en-US"/>
           </a:p>
@@ -952,7 +952,7 @@
           <a:p>
             <a:fld id="{E55EC660-A196-4D94-B3CC-EB7914C48869}" type="datetimeFigureOut">
               <a:rPr lang="en-US" smtClean="0"/>
-              <a:t>4/25/2020</a:t>
+              <a:t>5/10/2020</a:t>
             </a:fld>
             <a:endParaRPr lang="en-US"/>
           </a:p>
@@ -1196,7 +1196,7 @@
           <a:p>
             <a:fld id="{E55EC660-A196-4D94-B3CC-EB7914C48869}" type="datetimeFigureOut">
               <a:rPr lang="en-US" smtClean="0"/>
-              <a:t>4/25/2020</a:t>
+              <a:t>5/10/2020</a:t>
             </a:fld>
             <a:endParaRPr lang="en-US"/>
           </a:p>
@@ -1428,7 +1428,7 @@
           <a:p>
             <a:fld id="{E55EC660-A196-4D94-B3CC-EB7914C48869}" type="datetimeFigureOut">
               <a:rPr lang="en-US" smtClean="0"/>
-              <a:t>4/25/2020</a:t>
+              <a:t>5/10/2020</a:t>
             </a:fld>
             <a:endParaRPr lang="en-US"/>
           </a:p>
@@ -1795,7 +1795,7 @@
           <a:p>
             <a:fld id="{E55EC660-A196-4D94-B3CC-EB7914C48869}" type="datetimeFigureOut">
               <a:rPr lang="en-US" smtClean="0"/>
-              <a:t>4/25/2020</a:t>
+              <a:t>5/10/2020</a:t>
             </a:fld>
             <a:endParaRPr lang="en-US"/>
           </a:p>
@@ -1913,7 +1913,7 @@
           <a:p>
             <a:fld id="{E55EC660-A196-4D94-B3CC-EB7914C48869}" type="datetimeFigureOut">
               <a:rPr lang="en-US" smtClean="0"/>
-              <a:t>4/25/2020</a:t>
+              <a:t>5/10/2020</a:t>
             </a:fld>
             <a:endParaRPr lang="en-US"/>
           </a:p>
@@ -2008,7 +2008,7 @@
           <a:p>
             <a:fld id="{E55EC660-A196-4D94-B3CC-EB7914C48869}" type="datetimeFigureOut">
               <a:rPr lang="en-US" smtClean="0"/>
-              <a:t>4/25/2020</a:t>
+              <a:t>5/10/2020</a:t>
             </a:fld>
             <a:endParaRPr lang="en-US"/>
           </a:p>
@@ -2285,7 +2285,7 @@
           <a:p>
             <a:fld id="{E55EC660-A196-4D94-B3CC-EB7914C48869}" type="datetimeFigureOut">
               <a:rPr lang="en-US" smtClean="0"/>
-              <a:t>4/25/2020</a:t>
+              <a:t>5/10/2020</a:t>
             </a:fld>
             <a:endParaRPr lang="en-US"/>
           </a:p>
@@ -2542,7 +2542,7 @@
           <a:p>
             <a:fld id="{E55EC660-A196-4D94-B3CC-EB7914C48869}" type="datetimeFigureOut">
               <a:rPr lang="en-US" smtClean="0"/>
-              <a:t>4/25/2020</a:t>
+              <a:t>5/10/2020</a:t>
             </a:fld>
             <a:endParaRPr lang="en-US"/>
           </a:p>
@@ -2755,7 +2755,7 @@
           <a:p>
             <a:fld id="{E55EC660-A196-4D94-B3CC-EB7914C48869}" type="datetimeFigureOut">
               <a:rPr lang="en-US" smtClean="0"/>
-              <a:t>4/25/2020</a:t>
+              <a:t>5/10/2020</a:t>
             </a:fld>
             <a:endParaRPr lang="en-US"/>
           </a:p>
@@ -3671,162 +3671,183 @@
           </a:p>
         </p:txBody>
       </p:sp>
-      <p:sp>
-        <p:nvSpPr>
-          <p:cNvPr id="31" name="Oval 30">
+      <p:grpSp>
+        <p:nvGrpSpPr>
+          <p:cNvPr id="3" name="Group 2">
             <a:extLst>
               <a:ext uri="{FF2B5EF4-FFF2-40B4-BE49-F238E27FC236}">
-                <a16:creationId xmlns:a16="http://schemas.microsoft.com/office/drawing/2014/main" id="{CF8F39AE-AE53-441F-98F6-34E9AA5A1F41}"/>
+                <a16:creationId xmlns:a16="http://schemas.microsoft.com/office/drawing/2014/main" id="{7187EC19-BCCC-4093-93B8-78743B0741F5}"/>
               </a:ext>
             </a:extLst>
           </p:cNvPr>
-          <p:cNvSpPr/>
+          <p:cNvGrpSpPr/>
           <p:nvPr/>
-        </p:nvSpPr>
-        <p:spPr>
+        </p:nvGrpSpPr>
+        <p:grpSpPr>
           <a:xfrm>
             <a:off x="3662769" y="2740134"/>
-            <a:ext cx="1430200" cy="403639"/>
+            <a:ext cx="1430200" cy="1144394"/>
+            <a:chOff x="3662769" y="2740134"/>
+            <a:chExt cx="1430200" cy="1144394"/>
           </a:xfrm>
-          <a:prstGeom prst="ellipse">
-            <a:avLst/>
-          </a:prstGeom>
-        </p:spPr>
-        <p:style>
-          <a:lnRef idx="0">
-            <a:schemeClr val="accent4"/>
-          </a:lnRef>
-          <a:fillRef idx="3">
-            <a:schemeClr val="accent4"/>
-          </a:fillRef>
-          <a:effectRef idx="3">
-            <a:schemeClr val="accent4"/>
-          </a:effectRef>
-          <a:fontRef idx="minor">
-            <a:schemeClr val="lt1"/>
-          </a:fontRef>
-        </p:style>
-        <p:txBody>
-          <a:bodyPr lIns="45720" tIns="45720" rIns="45720" bIns="45720" rtlCol="0" anchor="ctr"/>
-          <a:lstStyle/>
-          <a:p>
-            <a:pPr algn="ctr"/>
-            <a:r>
-              <a:rPr lang="en-US" sz="900" b="1" dirty="0">
-                <a:solidFill>
-                  <a:schemeClr val="tx1"/>
-                </a:solidFill>
-                <a:latin typeface="Agency FB" panose="020B0503020202020204" pitchFamily="34" charset="0"/>
-              </a:rPr>
-              <a:t>1. press knob until beep sounds to enter setup</a:t>
-            </a:r>
-          </a:p>
-        </p:txBody>
-      </p:sp>
-      <p:sp>
-        <p:nvSpPr>
-          <p:cNvPr id="43" name="Oval 42">
-            <a:extLst>
-              <a:ext uri="{FF2B5EF4-FFF2-40B4-BE49-F238E27FC236}">
-                <a16:creationId xmlns:a16="http://schemas.microsoft.com/office/drawing/2014/main" id="{73F8D1F8-EFA5-4C97-B051-3332BB43D022}"/>
-              </a:ext>
-            </a:extLst>
-          </p:cNvPr>
-          <p:cNvSpPr/>
-          <p:nvPr/>
-        </p:nvSpPr>
-        <p:spPr>
-          <a:xfrm>
-            <a:off x="3662769" y="3110511"/>
-            <a:ext cx="1430200" cy="403639"/>
-          </a:xfrm>
-          <a:prstGeom prst="ellipse">
-            <a:avLst/>
-          </a:prstGeom>
-        </p:spPr>
-        <p:style>
-          <a:lnRef idx="0">
-            <a:schemeClr val="accent4"/>
-          </a:lnRef>
-          <a:fillRef idx="3">
-            <a:schemeClr val="accent4"/>
-          </a:fillRef>
-          <a:effectRef idx="3">
-            <a:schemeClr val="accent4"/>
-          </a:effectRef>
-          <a:fontRef idx="minor">
-            <a:schemeClr val="lt1"/>
-          </a:fontRef>
-        </p:style>
-        <p:txBody>
-          <a:bodyPr lIns="45720" rIns="45720" rtlCol="0" anchor="ctr"/>
-          <a:lstStyle/>
-          <a:p>
-            <a:pPr algn="ctr"/>
-            <a:r>
-              <a:rPr lang="en-US" sz="900" b="1" dirty="0">
-                <a:solidFill>
-                  <a:schemeClr val="tx1"/>
-                </a:solidFill>
-                <a:latin typeface="Agency FB" panose="020B0503020202020204" pitchFamily="34" charset="0"/>
-              </a:rPr>
-              <a:t>2. turn knob to setting, press to change</a:t>
-            </a:r>
-          </a:p>
-        </p:txBody>
-      </p:sp>
-      <p:sp>
-        <p:nvSpPr>
-          <p:cNvPr id="44" name="Oval 43">
-            <a:extLst>
-              <a:ext uri="{FF2B5EF4-FFF2-40B4-BE49-F238E27FC236}">
-                <a16:creationId xmlns:a16="http://schemas.microsoft.com/office/drawing/2014/main" id="{2C18138A-8684-4B5A-A756-53245F57189F}"/>
-              </a:ext>
-            </a:extLst>
-          </p:cNvPr>
-          <p:cNvSpPr/>
-          <p:nvPr/>
-        </p:nvSpPr>
-        <p:spPr>
-          <a:xfrm>
-            <a:off x="3662769" y="3480889"/>
-            <a:ext cx="1430200" cy="403639"/>
-          </a:xfrm>
-          <a:prstGeom prst="ellipse">
-            <a:avLst/>
-          </a:prstGeom>
-        </p:spPr>
-        <p:style>
-          <a:lnRef idx="0">
-            <a:schemeClr val="accent4"/>
-          </a:lnRef>
-          <a:fillRef idx="3">
-            <a:schemeClr val="accent4"/>
-          </a:fillRef>
-          <a:effectRef idx="3">
-            <a:schemeClr val="accent4"/>
-          </a:effectRef>
-          <a:fontRef idx="minor">
-            <a:schemeClr val="lt1"/>
-          </a:fontRef>
-        </p:style>
-        <p:txBody>
-          <a:bodyPr lIns="45720" rIns="45720" rtlCol="0" anchor="ctr"/>
-          <a:lstStyle/>
-          <a:p>
-            <a:pPr algn="ctr"/>
-            <a:r>
-              <a:rPr lang="en-US" sz="900" b="1" dirty="0">
-                <a:solidFill>
-                  <a:schemeClr val="tx1"/>
-                </a:solidFill>
-                <a:latin typeface="Agency FB" panose="020B0503020202020204" pitchFamily="34" charset="0"/>
-              </a:rPr>
-              <a:t>3. turn knob to new value, press to enter</a:t>
-            </a:r>
-          </a:p>
-        </p:txBody>
-      </p:sp>
+        </p:grpSpPr>
+        <p:sp>
+          <p:nvSpPr>
+            <p:cNvPr id="31" name="Oval 30">
+              <a:extLst>
+                <a:ext uri="{FF2B5EF4-FFF2-40B4-BE49-F238E27FC236}">
+                  <a16:creationId xmlns:a16="http://schemas.microsoft.com/office/drawing/2014/main" id="{CF8F39AE-AE53-441F-98F6-34E9AA5A1F41}"/>
+                </a:ext>
+              </a:extLst>
+            </p:cNvPr>
+            <p:cNvSpPr/>
+            <p:nvPr/>
+          </p:nvSpPr>
+          <p:spPr>
+            <a:xfrm>
+              <a:off x="3662769" y="2740134"/>
+              <a:ext cx="1430200" cy="403639"/>
+            </a:xfrm>
+            <a:prstGeom prst="ellipse">
+              <a:avLst/>
+            </a:prstGeom>
+          </p:spPr>
+          <p:style>
+            <a:lnRef idx="0">
+              <a:schemeClr val="accent4"/>
+            </a:lnRef>
+            <a:fillRef idx="3">
+              <a:schemeClr val="accent4"/>
+            </a:fillRef>
+            <a:effectRef idx="3">
+              <a:schemeClr val="accent4"/>
+            </a:effectRef>
+            <a:fontRef idx="minor">
+              <a:schemeClr val="lt1"/>
+            </a:fontRef>
+          </p:style>
+          <p:txBody>
+            <a:bodyPr lIns="45720" tIns="45720" rIns="45720" bIns="45720" rtlCol="0" anchor="ctr"/>
+            <a:lstStyle/>
+            <a:p>
+              <a:pPr algn="ctr"/>
+              <a:r>
+                <a:rPr lang="en-US" sz="900" b="1" dirty="0">
+                  <a:solidFill>
+                    <a:schemeClr val="tx1"/>
+                  </a:solidFill>
+                  <a:latin typeface="Agency FB" panose="020B0503020202020204" pitchFamily="34" charset="0"/>
+                </a:rPr>
+                <a:t>1. To enter setup, press knob until beep sounds</a:t>
+              </a:r>
+            </a:p>
+          </p:txBody>
+        </p:sp>
+        <p:sp>
+          <p:nvSpPr>
+            <p:cNvPr id="43" name="Oval 42">
+              <a:extLst>
+                <a:ext uri="{FF2B5EF4-FFF2-40B4-BE49-F238E27FC236}">
+                  <a16:creationId xmlns:a16="http://schemas.microsoft.com/office/drawing/2014/main" id="{73F8D1F8-EFA5-4C97-B051-3332BB43D022}"/>
+                </a:ext>
+              </a:extLst>
+            </p:cNvPr>
+            <p:cNvSpPr/>
+            <p:nvPr/>
+          </p:nvSpPr>
+          <p:spPr>
+            <a:xfrm>
+              <a:off x="3662769" y="3110511"/>
+              <a:ext cx="1430200" cy="403639"/>
+            </a:xfrm>
+            <a:prstGeom prst="ellipse">
+              <a:avLst/>
+            </a:prstGeom>
+          </p:spPr>
+          <p:style>
+            <a:lnRef idx="0">
+              <a:schemeClr val="accent4"/>
+            </a:lnRef>
+            <a:fillRef idx="3">
+              <a:schemeClr val="accent4"/>
+            </a:fillRef>
+            <a:effectRef idx="3">
+              <a:schemeClr val="accent4"/>
+            </a:effectRef>
+            <a:fontRef idx="minor">
+              <a:schemeClr val="lt1"/>
+            </a:fontRef>
+          </p:style>
+          <p:txBody>
+            <a:bodyPr lIns="45720" rIns="45720" rtlCol="0" anchor="ctr"/>
+            <a:lstStyle/>
+            <a:p>
+              <a:pPr algn="ctr"/>
+              <a:r>
+                <a:rPr lang="en-US" sz="900" b="1" dirty="0">
+                  <a:solidFill>
+                    <a:schemeClr val="tx1"/>
+                  </a:solidFill>
+                  <a:latin typeface="Agency FB" panose="020B0503020202020204" pitchFamily="34" charset="0"/>
+                </a:rPr>
+                <a:t>2. Turn knob to setting, press to change</a:t>
+              </a:r>
+            </a:p>
+          </p:txBody>
+        </p:sp>
+        <p:sp>
+          <p:nvSpPr>
+            <p:cNvPr id="44" name="Oval 43">
+              <a:extLst>
+                <a:ext uri="{FF2B5EF4-FFF2-40B4-BE49-F238E27FC236}">
+                  <a16:creationId xmlns:a16="http://schemas.microsoft.com/office/drawing/2014/main" id="{2C18138A-8684-4B5A-A756-53245F57189F}"/>
+                </a:ext>
+              </a:extLst>
+            </p:cNvPr>
+            <p:cNvSpPr/>
+            <p:nvPr/>
+          </p:nvSpPr>
+          <p:spPr>
+            <a:xfrm>
+              <a:off x="3662769" y="3480889"/>
+              <a:ext cx="1430200" cy="403639"/>
+            </a:xfrm>
+            <a:prstGeom prst="ellipse">
+              <a:avLst/>
+            </a:prstGeom>
+          </p:spPr>
+          <p:style>
+            <a:lnRef idx="0">
+              <a:schemeClr val="accent4"/>
+            </a:lnRef>
+            <a:fillRef idx="3">
+              <a:schemeClr val="accent4"/>
+            </a:fillRef>
+            <a:effectRef idx="3">
+              <a:schemeClr val="accent4"/>
+            </a:effectRef>
+            <a:fontRef idx="minor">
+              <a:schemeClr val="lt1"/>
+            </a:fontRef>
+          </p:style>
+          <p:txBody>
+            <a:bodyPr lIns="45720" rIns="45720" rtlCol="0" anchor="ctr"/>
+            <a:lstStyle/>
+            <a:p>
+              <a:pPr algn="ctr"/>
+              <a:r>
+                <a:rPr lang="en-US" sz="900" b="1" dirty="0">
+                  <a:solidFill>
+                    <a:schemeClr val="tx1"/>
+                  </a:solidFill>
+                  <a:latin typeface="Agency FB" panose="020B0503020202020204" pitchFamily="34" charset="0"/>
+                </a:rPr>
+                <a:t>3. Turn knob to new value, press to enter</a:t>
+              </a:r>
+            </a:p>
+          </p:txBody>
+        </p:sp>
+      </p:grpSp>
       <p:sp>
         <p:nvSpPr>
           <p:cNvPr id="45" name="Arrow: Right 44">
@@ -4351,7 +4372,7 @@
                 </a:solidFill>
                 <a:latin typeface="Agency FB" panose="020B0503020202020204" pitchFamily="34" charset="0"/>
               </a:rPr>
-              <a:t>Hour</a:t>
+              <a:t>Hour*</a:t>
             </a:r>
             <a:endParaRPr lang="en-US" sz="800" b="1" dirty="0">
               <a:solidFill>
@@ -4607,8 +4628,8 @@
         </p:nvSpPr>
         <p:spPr>
           <a:xfrm>
-            <a:off x="3153344" y="3949168"/>
-            <a:ext cx="1587294" cy="369332"/>
+            <a:off x="3662769" y="3998053"/>
+            <a:ext cx="779381" cy="230832"/>
           </a:xfrm>
           <a:prstGeom prst="rect">
             <a:avLst/>
@@ -4621,27 +4642,11 @@
           </a:bodyPr>
           <a:lstStyle/>
           <a:p>
-            <a:pPr marL="171450" indent="-171450">
-              <a:buFont typeface="Arial" panose="020B0604020202020204" pitchFamily="34" charset="0"/>
-              <a:buChar char="•"/>
-            </a:pPr>
-            <a:r>
-              <a:rPr lang="en-US" sz="900" b="1" dirty="0">
+            <a:r>
+              <a:rPr lang="en-US" sz="900" dirty="0">
                 <a:latin typeface="Agency FB" panose="020B0503020202020204" pitchFamily="34" charset="0"/>
               </a:rPr>
-              <a:t>Automatic Daylight Saving Time</a:t>
-            </a:r>
-          </a:p>
-          <a:p>
-            <a:pPr marL="171450" indent="-171450">
-              <a:buFont typeface="Arial" panose="020B0604020202020204" pitchFamily="34" charset="0"/>
-              <a:buChar char="•"/>
-            </a:pPr>
-            <a:r>
-              <a:rPr lang="en-US" sz="900" b="1" dirty="0">
-                <a:latin typeface="Agency FB" panose="020B0503020202020204" pitchFamily="34" charset="0"/>
-              </a:rPr>
-              <a:t>Five-year Real Time Clock</a:t>
+              <a:t>* Standard Time</a:t>
             </a:r>
           </a:p>
         </p:txBody>
